--- a/ch12/小程序基本构成.pptx
+++ b/ch12/小程序基本构成.pptx
@@ -9,9 +9,10 @@
     <p:sldId id="258" r:id="rId4"/>
     <p:sldId id="259" r:id="rId5"/>
     <p:sldId id="260" r:id="rId6"/>
-    <p:sldId id="261" r:id="rId7"/>
-    <p:sldId id="262" r:id="rId8"/>
-    <p:sldId id="263" r:id="rId9"/>
+    <p:sldId id="264" r:id="rId7"/>
+    <p:sldId id="261" r:id="rId8"/>
+    <p:sldId id="262" r:id="rId9"/>
+    <p:sldId id="263" r:id="rId10"/>
   </p:sldIdLst>
   <p:sldSz cx="12192000" cy="6858000"/>
   <p:notesSz cx="6858000" cy="9144000"/>
@@ -3383,7 +3384,7 @@
           <a:p>
             <a:pPr fontAlgn="auto">
               <a:lnSpc>
-                <a:spcPct val="110000"/>
+                <a:spcPct val="120000"/>
               </a:lnSpc>
             </a:pPr>
             <a:r>
@@ -3395,7 +3396,7 @@
           <a:p>
             <a:pPr fontAlgn="auto">
               <a:lnSpc>
-                <a:spcPct val="110000"/>
+                <a:spcPct val="120000"/>
               </a:lnSpc>
             </a:pPr>
             <a:endParaRPr lang="en-US" altLang="zh-CN"/>
@@ -3403,19 +3404,19 @@
           <a:p>
             <a:pPr fontAlgn="auto">
               <a:lnSpc>
-                <a:spcPct val="110000"/>
+                <a:spcPct val="120000"/>
               </a:lnSpc>
             </a:pPr>
             <a:r>
               <a:rPr lang="zh-CN" altLang="en-US"/>
-              <a:t>安装好开发环境后，创建项目会初始化一套标准的目录结构，有示例代码，项目配置文件，页面配置等。开发过程要遵循微信官方的标准规范。</a:t>
+              <a:t>安装好开发环境后，创建项目会初始化一套标准的目录结构，有示例代码，项目配置文件，页面配置等。</a:t>
             </a:r>
             <a:endParaRPr lang="zh-CN" altLang="en-US"/>
           </a:p>
           <a:p>
             <a:pPr fontAlgn="auto">
               <a:lnSpc>
-                <a:spcPct val="110000"/>
+                <a:spcPct val="120000"/>
               </a:lnSpc>
             </a:pPr>
             <a:endParaRPr lang="zh-CN" altLang="en-US"/>
@@ -3423,89 +3424,21 @@
           <a:p>
             <a:pPr fontAlgn="auto">
               <a:lnSpc>
-                <a:spcPct val="110000"/>
+                <a:spcPct val="120000"/>
               </a:lnSpc>
             </a:pPr>
             <a:r>
               <a:rPr lang="zh-CN" altLang="en-US"/>
-              <a:t>前端部分主要使用</a:t>
-            </a:r>
-            <a:r>
-              <a:rPr lang="en-US" altLang="zh-CN"/>
-              <a:t>JavaScript</a:t>
-            </a:r>
-            <a:r>
-              <a:rPr lang="zh-CN" altLang="en-US"/>
-              <a:t>处理业务逻辑，数据的布局展示使用了</a:t>
-            </a:r>
-            <a:r>
-              <a:rPr lang="en-US" altLang="zh-CN"/>
-              <a:t>WXML</a:t>
-            </a:r>
-            <a:r>
-              <a:rPr lang="zh-CN" altLang="en-US"/>
-              <a:t>，样式使用了</a:t>
-            </a:r>
-            <a:r>
-              <a:rPr lang="en-US" altLang="zh-CN"/>
-              <a:t>WXSS</a:t>
-            </a:r>
-            <a:r>
-              <a:rPr lang="zh-CN" altLang="en-US"/>
-              <a:t>。</a:t>
-            </a:r>
-            <a:r>
-              <a:rPr lang="en-US" altLang="zh-CN"/>
-              <a:t>WXML</a:t>
-            </a:r>
-            <a:r>
-              <a:rPr lang="zh-CN" altLang="en-US"/>
-              <a:t>与</a:t>
-            </a:r>
-            <a:r>
-              <a:rPr lang="en-US" altLang="zh-CN"/>
-              <a:t>WXSS</a:t>
-            </a:r>
-            <a:r>
-              <a:rPr lang="zh-CN" altLang="en-US"/>
-              <a:t>是微信官方定义的一套开发标准。</a:t>
+              <a:t>开发过程要遵循微信官方的标准规范，和普通的前端页面开发不同。</a:t>
             </a:r>
             <a:endParaRPr lang="zh-CN" altLang="en-US"/>
           </a:p>
           <a:p>
             <a:pPr fontAlgn="auto">
               <a:lnSpc>
-                <a:spcPct val="110000"/>
+                <a:spcPct val="120000"/>
               </a:lnSpc>
             </a:pPr>
-            <a:endParaRPr lang="zh-CN" altLang="en-US"/>
-          </a:p>
-          <a:p>
-            <a:pPr fontAlgn="auto">
-              <a:lnSpc>
-                <a:spcPct val="110000"/>
-              </a:lnSpc>
-            </a:pPr>
-            <a:r>
-              <a:rPr lang="zh-CN" altLang="en-US"/>
-              <a:t>接下来会简单介绍</a:t>
-            </a:r>
-            <a:r>
-              <a:rPr lang="en-US" altLang="zh-CN"/>
-              <a:t>WXML</a:t>
-            </a:r>
-            <a:r>
-              <a:rPr lang="zh-CN" altLang="en-US"/>
-              <a:t>以及</a:t>
-            </a:r>
-            <a:r>
-              <a:rPr lang="en-US" altLang="zh-CN"/>
-              <a:t>WXSS</a:t>
-            </a:r>
-            <a:r>
-              <a:rPr lang="zh-CN" altLang="en-US"/>
-              <a:t>，在后续的开发课程中，会分主题具体讲解使用方式。</a:t>
-            </a:r>
             <a:endParaRPr lang="zh-CN" altLang="en-US"/>
           </a:p>
         </p:txBody>
@@ -3543,119 +3476,154 @@
           <a:bodyPr/>
           <a:p>
             <a:r>
+              <a:rPr lang="zh-CN" altLang="en-US"/>
+              <a:t>小程序开发与前端开发的区别</a:t>
+            </a:r>
+            <a:endParaRPr lang="zh-CN" altLang="en-US"/>
+          </a:p>
+        </p:txBody>
+      </p:sp>
+      <p:sp>
+        <p:nvSpPr>
+          <p:cNvPr id="3" name="内容占位符 2"/>
+          <p:cNvSpPr>
+            <a:spLocks noGrp="1"/>
+          </p:cNvSpPr>
+          <p:nvPr>
+            <p:ph idx="1"/>
+          </p:nvPr>
+        </p:nvSpPr>
+        <p:spPr>
+          <a:xfrm>
+            <a:off x="838200" y="1267460"/>
+            <a:ext cx="10515600" cy="5088255"/>
+          </a:xfrm>
+        </p:spPr>
+        <p:txBody>
+          <a:bodyPr>
+            <a:normAutofit lnSpcReduction="10000"/>
+          </a:bodyPr>
+          <a:p>
+            <a:pPr fontAlgn="auto">
+              <a:lnSpc>
+                <a:spcPct val="110000"/>
+              </a:lnSpc>
+            </a:pPr>
+            <a:r>
+              <a:rPr lang="zh-CN" altLang="en-US"/>
+              <a:t>前端部分主要使用</a:t>
+            </a:r>
+            <a:r>
+              <a:rPr lang="en-US" altLang="zh-CN"/>
+              <a:t>JavaScript</a:t>
+            </a:r>
+            <a:r>
+              <a:rPr lang="zh-CN" altLang="en-US"/>
+              <a:t>处理业务逻辑，微信官方给出的是一套完整的处理机制，</a:t>
+            </a:r>
+            <a:r>
+              <a:rPr lang="en-US" altLang="zh-CN"/>
+              <a:t>JS</a:t>
+            </a:r>
+            <a:r>
+              <a:rPr lang="zh-CN" altLang="en-US"/>
+              <a:t>不需要操作</a:t>
+            </a:r>
+            <a:r>
+              <a:rPr lang="en-US" altLang="zh-CN"/>
+              <a:t>DOM</a:t>
+            </a:r>
+            <a:r>
+              <a:rPr lang="zh-CN" altLang="en-US"/>
+              <a:t>，而是通过绑定的方式自动渲染。</a:t>
+            </a:r>
+            <a:endParaRPr lang="zh-CN" altLang="en-US"/>
+          </a:p>
+          <a:p>
+            <a:pPr fontAlgn="auto">
+              <a:lnSpc>
+                <a:spcPct val="110000"/>
+              </a:lnSpc>
+            </a:pPr>
+            <a:endParaRPr lang="zh-CN" altLang="en-US"/>
+          </a:p>
+          <a:p>
+            <a:pPr fontAlgn="auto">
+              <a:lnSpc>
+                <a:spcPct val="110000"/>
+              </a:lnSpc>
+            </a:pPr>
+            <a:r>
+              <a:rPr lang="zh-CN" altLang="en-US"/>
+              <a:t>数据的布局展示使用了</a:t>
+            </a:r>
+            <a:r>
               <a:rPr lang="en-US" altLang="zh-CN"/>
               <a:t>WXML</a:t>
             </a:r>
-            <a:endParaRPr lang="en-US" altLang="zh-CN"/>
-          </a:p>
-        </p:txBody>
-      </p:sp>
-      <p:sp>
-        <p:nvSpPr>
-          <p:cNvPr id="3" name="内容占位符 2"/>
-          <p:cNvSpPr>
-            <a:spLocks noGrp="1"/>
-          </p:cNvSpPr>
-          <p:nvPr>
-            <p:ph idx="1"/>
-          </p:nvPr>
-        </p:nvSpPr>
-        <p:spPr/>
-        <p:txBody>
-          <a:bodyPr/>
+            <a:r>
+              <a:rPr lang="zh-CN" altLang="en-US"/>
+              <a:t>，样式使用了</a:t>
+            </a:r>
+            <a:r>
+              <a:rPr lang="en-US" altLang="zh-CN"/>
+              <a:t>WXSS</a:t>
+            </a:r>
+            <a:r>
+              <a:rPr lang="zh-CN" altLang="en-US"/>
+              <a:t>。</a:t>
+            </a:r>
+            <a:r>
+              <a:rPr lang="en-US" altLang="zh-CN"/>
+              <a:t>WXML</a:t>
+            </a:r>
+            <a:r>
+              <a:rPr lang="zh-CN" altLang="en-US"/>
+              <a:t>与</a:t>
+            </a:r>
+            <a:r>
+              <a:rPr lang="en-US" altLang="zh-CN"/>
+              <a:t>WXSS</a:t>
+            </a:r>
+            <a:r>
+              <a:rPr lang="zh-CN" altLang="en-US"/>
+              <a:t>是微信官方定义的一套开发标准。</a:t>
+            </a:r>
+            <a:endParaRPr lang="zh-CN" altLang="en-US"/>
+          </a:p>
           <a:p>
             <a:pPr fontAlgn="auto">
               <a:lnSpc>
-                <a:spcPct val="120000"/>
+                <a:spcPct val="110000"/>
               </a:lnSpc>
             </a:pPr>
+            <a:endParaRPr lang="zh-CN" altLang="en-US"/>
+          </a:p>
+          <a:p>
+            <a:pPr fontAlgn="auto">
+              <a:lnSpc>
+                <a:spcPct val="110000"/>
+              </a:lnSpc>
+            </a:pPr>
+            <a:r>
+              <a:rPr lang="zh-CN" altLang="en-US"/>
+              <a:t>接下来会简单介绍</a:t>
+            </a:r>
             <a:r>
               <a:rPr lang="en-US" altLang="zh-CN"/>
               <a:t>WXML</a:t>
             </a:r>
             <a:r>
               <a:rPr lang="zh-CN" altLang="en-US"/>
-              <a:t>是WeiXin Markup Language的缩写。是微信小程序提供的一套标签语言，在小程序开发中，使用</a:t>
+              <a:t>以及</a:t>
             </a:r>
             <a:r>
               <a:rPr lang="en-US" altLang="zh-CN"/>
-              <a:t>WXML</a:t>
-            </a:r>
-            <a:r>
-              <a:rPr lang="zh-CN" altLang="en-US"/>
-              <a:t>以及基础组件、小程序提供的事件系统构建页面结构。</a:t>
-            </a:r>
-            <a:endParaRPr lang="zh-CN" altLang="en-US"/>
-          </a:p>
-          <a:p>
-            <a:pPr fontAlgn="auto">
-              <a:lnSpc>
-                <a:spcPct val="120000"/>
-              </a:lnSpc>
-            </a:pPr>
-            <a:endParaRPr lang="zh-CN" altLang="en-US"/>
-          </a:p>
-          <a:p>
-            <a:pPr fontAlgn="auto">
-              <a:lnSpc>
-                <a:spcPct val="120000"/>
-              </a:lnSpc>
-            </a:pPr>
-            <a:r>
-              <a:rPr lang="zh-CN" altLang="en-US"/>
-              <a:t>在小程序开发中，除了基础的组件需要编写一些</a:t>
-            </a:r>
-            <a:r>
-              <a:rPr lang="en-US" altLang="zh-CN"/>
-              <a:t>HTML</a:t>
-            </a:r>
-            <a:r>
-              <a:rPr lang="zh-CN" altLang="en-US"/>
-              <a:t>标签以外，</a:t>
-            </a:r>
-            <a:r>
-              <a:rPr lang="en-US" altLang="zh-CN"/>
-              <a:t>WXML</a:t>
-            </a:r>
-            <a:r>
-              <a:rPr lang="zh-CN" altLang="en-US"/>
-              <a:t>是不需要的。</a:t>
-            </a:r>
-            <a:endParaRPr lang="zh-CN" altLang="en-US"/>
-          </a:p>
-          <a:p>
-            <a:pPr fontAlgn="auto">
-              <a:lnSpc>
-                <a:spcPct val="120000"/>
-              </a:lnSpc>
-            </a:pPr>
-            <a:endParaRPr lang="zh-CN" altLang="en-US"/>
-          </a:p>
-          <a:p>
-            <a:pPr fontAlgn="auto">
-              <a:lnSpc>
-                <a:spcPct val="120000"/>
-              </a:lnSpc>
-            </a:pPr>
-            <a:r>
-              <a:rPr lang="zh-CN" altLang="en-US"/>
-              <a:t>小程序中的</a:t>
-            </a:r>
-            <a:r>
-              <a:rPr lang="en-US" altLang="zh-CN"/>
-              <a:t>WXML</a:t>
-            </a:r>
-            <a:r>
-              <a:rPr lang="zh-CN" altLang="en-US"/>
-              <a:t>就相当于前端开发中的</a:t>
-            </a:r>
-            <a:r>
-              <a:rPr lang="en-US" altLang="zh-CN"/>
-              <a:t>HTML</a:t>
-            </a:r>
-            <a:r>
-              <a:rPr lang="zh-CN" altLang="en-US"/>
-              <a:t>。</a:t>
+              <a:t>WXSS</a:t>
+            </a:r>
+            <a:r>
+              <a:rPr lang="zh-CN" altLang="en-US"/>
+              <a:t>，在后续的开发课程中，会分主题具体讲解使用方式。</a:t>
             </a:r>
             <a:endParaRPr lang="zh-CN" altLang="en-US"/>
           </a:p>
@@ -3695,7 +3663,7 @@
           <a:p>
             <a:r>
               <a:rPr lang="en-US" altLang="zh-CN"/>
-              <a:t>WXSS</a:t>
+              <a:t>WXML</a:t>
             </a:r>
             <a:endParaRPr lang="en-US" altLang="zh-CN"/>
           </a:p>
@@ -3722,11 +3690,11 @@
             </a:pPr>
             <a:r>
               <a:rPr lang="en-US" altLang="zh-CN"/>
-              <a:t>WXSS</a:t>
-            </a:r>
-            <a:r>
-              <a:rPr lang="zh-CN" altLang="en-US"/>
-              <a:t>是WeiXin Style Sheets的缩写，一套样式语言，用于描述</a:t>
+              <a:t>WXML</a:t>
+            </a:r>
+            <a:r>
+              <a:rPr lang="zh-CN" altLang="en-US"/>
+              <a:t>是WeiXin Markup Language的缩写。是微信小程序提供的一套标签语言，在小程序开发中，使用</a:t>
             </a:r>
             <a:r>
               <a:rPr lang="en-US" altLang="zh-CN"/>
@@ -3734,7 +3702,7 @@
             </a:r>
             <a:r>
               <a:rPr lang="zh-CN" altLang="en-US"/>
-              <a:t>的组件样式。</a:t>
+              <a:t>以及基础组件、小程序提供的事件系统构建页面结构。</a:t>
             </a:r>
             <a:endParaRPr lang="zh-CN" altLang="en-US"/>
           </a:p>
@@ -3753,88 +3721,48 @@
               </a:lnSpc>
             </a:pPr>
             <a:r>
+              <a:rPr lang="zh-CN" altLang="en-US"/>
+              <a:t>在小程序开发中，除了基础的组件需要编写一些</a:t>
+            </a:r>
+            <a:r>
               <a:rPr lang="en-US" altLang="zh-CN"/>
-              <a:t>WXSS</a:t>
-            </a:r>
-            <a:r>
-              <a:rPr lang="zh-CN" altLang="en-US"/>
-              <a:t>具备</a:t>
+              <a:t>HTML</a:t>
+            </a:r>
+            <a:r>
+              <a:rPr lang="zh-CN" altLang="en-US"/>
+              <a:t>标签以外，</a:t>
             </a:r>
             <a:r>
               <a:rPr lang="en-US" altLang="zh-CN"/>
-              <a:t>CSS</a:t>
-            </a:r>
-            <a:r>
-              <a:rPr lang="zh-CN" altLang="en-US"/>
-              <a:t>的大部分特性，同时，</a:t>
-            </a:r>
-            <a:r>
-              <a:rPr lang="en-US" altLang="zh-CN"/>
-              <a:t>WXSS</a:t>
-            </a:r>
-            <a:r>
-              <a:rPr lang="zh-CN" altLang="en-US"/>
-              <a:t>进行了以下扩展：</a:t>
-            </a:r>
-            <a:endParaRPr lang="zh-CN" altLang="en-US"/>
-          </a:p>
-          <a:p>
-            <a:pPr lvl="1" fontAlgn="auto">
-              <a:lnSpc>
-                <a:spcPct val="120000"/>
-              </a:lnSpc>
-              <a:buFont typeface="Arial" panose="02080604020202020204" pitchFamily="34" charset="0"/>
-              <a:buChar char="•"/>
-            </a:pPr>
-            <a:r>
-              <a:rPr lang="zh-CN" altLang="en-US"/>
-              <a:t>尺寸单位</a:t>
-            </a:r>
-            <a:endParaRPr lang="zh-CN" altLang="en-US"/>
-          </a:p>
-          <a:p>
-            <a:pPr lvl="1" fontAlgn="auto">
-              <a:lnSpc>
-                <a:spcPct val="120000"/>
-              </a:lnSpc>
-              <a:buFont typeface="Arial" panose="02080604020202020204" pitchFamily="34" charset="0"/>
-              <a:buChar char="•"/>
-            </a:pPr>
-            <a:r>
-              <a:rPr lang="zh-CN" altLang="en-US"/>
-              <a:t>样式导入</a:t>
-            </a:r>
-            <a:endParaRPr lang="zh-CN" altLang="en-US"/>
-          </a:p>
-          <a:p>
-            <a:pPr lvl="1" fontAlgn="auto">
-              <a:lnSpc>
-                <a:spcPct val="120000"/>
-              </a:lnSpc>
-              <a:buFont typeface="Arial" panose="02080604020202020204" pitchFamily="34" charset="0"/>
-              <a:buChar char="•"/>
-            </a:pPr>
-            <a:endParaRPr lang="zh-CN" altLang="en-US"/>
-          </a:p>
-          <a:p>
-            <a:pPr lvl="0" fontAlgn="auto">
+              <a:t>WXML</a:t>
+            </a:r>
+            <a:r>
+              <a:rPr lang="zh-CN" altLang="en-US"/>
+              <a:t>是不需要的。</a:t>
+            </a:r>
+            <a:endParaRPr lang="zh-CN" altLang="en-US"/>
+          </a:p>
+          <a:p>
+            <a:pPr fontAlgn="auto">
               <a:lnSpc>
                 <a:spcPct val="120000"/>
               </a:lnSpc>
             </a:pPr>
-            <a:r>
-              <a:rPr lang="zh-CN" altLang="en-US"/>
-              <a:t>小程序中</a:t>
-            </a:r>
-            <a:r>
-              <a:rPr lang="zh-CN" altLang="en-US">
-                <a:sym typeface="+mn-ea"/>
-              </a:rPr>
-              <a:t>的</a:t>
+            <a:endParaRPr lang="zh-CN" altLang="en-US"/>
+          </a:p>
+          <a:p>
+            <a:pPr fontAlgn="auto">
+              <a:lnSpc>
+                <a:spcPct val="120000"/>
+              </a:lnSpc>
+            </a:pPr>
+            <a:r>
+              <a:rPr lang="zh-CN" altLang="en-US"/>
+              <a:t>小程序中的</a:t>
             </a:r>
             <a:r>
               <a:rPr lang="en-US" altLang="zh-CN"/>
-              <a:t>WXSS</a:t>
+              <a:t>WXML</a:t>
             </a:r>
             <a:r>
               <a:rPr lang="zh-CN" altLang="en-US"/>
@@ -3842,7 +3770,7 @@
             </a:r>
             <a:r>
               <a:rPr lang="en-US" altLang="zh-CN"/>
-              <a:t>CSS</a:t>
+              <a:t>HTML</a:t>
             </a:r>
             <a:r>
               <a:rPr lang="zh-CN" altLang="en-US"/>
@@ -3861,6 +3789,197 @@
 </file>
 
 <file path=ppt/slides/slide7.xml><?xml version="1.0" encoding="utf-8"?>
+<p:sld xmlns:a="http://schemas.openxmlformats.org/drawingml/2006/main" xmlns:r="http://schemas.openxmlformats.org/officeDocument/2006/relationships" xmlns:p="http://schemas.openxmlformats.org/presentationml/2006/main">
+  <p:cSld>
+    <p:spTree>
+      <p:nvGrpSpPr>
+        <p:cNvPr id="1" name=""/>
+        <p:cNvGrpSpPr/>
+        <p:nvPr/>
+      </p:nvGrpSpPr>
+      <p:grpSpPr/>
+      <p:sp>
+        <p:nvSpPr>
+          <p:cNvPr id="2" name="标题 1"/>
+          <p:cNvSpPr>
+            <a:spLocks noGrp="1"/>
+          </p:cNvSpPr>
+          <p:nvPr>
+            <p:ph type="title"/>
+          </p:nvPr>
+        </p:nvSpPr>
+        <p:spPr/>
+        <p:txBody>
+          <a:bodyPr/>
+          <a:p>
+            <a:r>
+              <a:rPr lang="en-US" altLang="zh-CN"/>
+              <a:t>WXSS</a:t>
+            </a:r>
+            <a:endParaRPr lang="en-US" altLang="zh-CN"/>
+          </a:p>
+        </p:txBody>
+      </p:sp>
+      <p:sp>
+        <p:nvSpPr>
+          <p:cNvPr id="3" name="内容占位符 2"/>
+          <p:cNvSpPr>
+            <a:spLocks noGrp="1"/>
+          </p:cNvSpPr>
+          <p:nvPr>
+            <p:ph idx="1"/>
+          </p:nvPr>
+        </p:nvSpPr>
+        <p:spPr/>
+        <p:txBody>
+          <a:bodyPr/>
+          <a:p>
+            <a:pPr fontAlgn="auto">
+              <a:lnSpc>
+                <a:spcPct val="120000"/>
+              </a:lnSpc>
+            </a:pPr>
+            <a:r>
+              <a:rPr lang="en-US" altLang="zh-CN"/>
+              <a:t>WXSS</a:t>
+            </a:r>
+            <a:r>
+              <a:rPr lang="zh-CN" altLang="en-US"/>
+              <a:t>是WeiXin Style Sheets的缩写，一套样式语言，用于描述</a:t>
+            </a:r>
+            <a:r>
+              <a:rPr lang="en-US" altLang="zh-CN"/>
+              <a:t>WXML</a:t>
+            </a:r>
+            <a:r>
+              <a:rPr lang="zh-CN" altLang="en-US"/>
+              <a:t>的组件样式。</a:t>
+            </a:r>
+            <a:endParaRPr lang="zh-CN" altLang="en-US"/>
+          </a:p>
+          <a:p>
+            <a:pPr fontAlgn="auto">
+              <a:lnSpc>
+                <a:spcPct val="120000"/>
+              </a:lnSpc>
+            </a:pPr>
+            <a:endParaRPr lang="zh-CN" altLang="en-US"/>
+          </a:p>
+          <a:p>
+            <a:pPr fontAlgn="auto">
+              <a:lnSpc>
+                <a:spcPct val="120000"/>
+              </a:lnSpc>
+            </a:pPr>
+            <a:r>
+              <a:rPr lang="en-US" altLang="zh-CN"/>
+              <a:t>WXSS</a:t>
+            </a:r>
+            <a:r>
+              <a:rPr lang="zh-CN" altLang="en-US"/>
+              <a:t>具备</a:t>
+            </a:r>
+            <a:r>
+              <a:rPr lang="en-US" altLang="zh-CN"/>
+              <a:t>CSS</a:t>
+            </a:r>
+            <a:r>
+              <a:rPr lang="zh-CN" altLang="en-US"/>
+              <a:t>的大部分特性，同时，</a:t>
+            </a:r>
+            <a:r>
+              <a:rPr lang="en-US" altLang="zh-CN"/>
+              <a:t>WXSS</a:t>
+            </a:r>
+            <a:r>
+              <a:rPr lang="zh-CN" altLang="en-US"/>
+              <a:t>进行了以下扩展：</a:t>
+            </a:r>
+            <a:endParaRPr lang="zh-CN" altLang="en-US"/>
+          </a:p>
+          <a:p>
+            <a:pPr lvl="1" fontAlgn="auto">
+              <a:lnSpc>
+                <a:spcPct val="120000"/>
+              </a:lnSpc>
+              <a:buFont typeface="Arial" panose="02080604020202020204" pitchFamily="34" charset="0"/>
+              <a:buChar char="•"/>
+            </a:pPr>
+            <a:r>
+              <a:rPr lang="zh-CN" altLang="en-US"/>
+              <a:t>尺寸单位</a:t>
+            </a:r>
+            <a:endParaRPr lang="zh-CN" altLang="en-US"/>
+          </a:p>
+          <a:p>
+            <a:pPr lvl="1" fontAlgn="auto">
+              <a:lnSpc>
+                <a:spcPct val="120000"/>
+              </a:lnSpc>
+              <a:buFont typeface="Arial" panose="02080604020202020204" pitchFamily="34" charset="0"/>
+              <a:buChar char="•"/>
+            </a:pPr>
+            <a:r>
+              <a:rPr lang="zh-CN" altLang="en-US"/>
+              <a:t>样式导入</a:t>
+            </a:r>
+            <a:endParaRPr lang="zh-CN" altLang="en-US"/>
+          </a:p>
+          <a:p>
+            <a:pPr lvl="1" fontAlgn="auto">
+              <a:lnSpc>
+                <a:spcPct val="120000"/>
+              </a:lnSpc>
+              <a:buFont typeface="Arial" panose="02080604020202020204" pitchFamily="34" charset="0"/>
+              <a:buChar char="•"/>
+            </a:pPr>
+            <a:endParaRPr lang="zh-CN" altLang="en-US"/>
+          </a:p>
+          <a:p>
+            <a:pPr lvl="0" fontAlgn="auto">
+              <a:lnSpc>
+                <a:spcPct val="120000"/>
+              </a:lnSpc>
+            </a:pPr>
+            <a:r>
+              <a:rPr lang="zh-CN" altLang="en-US"/>
+              <a:t>小程序中</a:t>
+            </a:r>
+            <a:r>
+              <a:rPr lang="zh-CN" altLang="en-US">
+                <a:sym typeface="+mn-ea"/>
+              </a:rPr>
+              <a:t>的</a:t>
+            </a:r>
+            <a:r>
+              <a:rPr lang="en-US" altLang="zh-CN"/>
+              <a:t>WXSS</a:t>
+            </a:r>
+            <a:r>
+              <a:rPr lang="zh-CN" altLang="en-US"/>
+              <a:t>就相当于前端开发中的</a:t>
+            </a:r>
+            <a:r>
+              <a:rPr lang="en-US" altLang="zh-CN"/>
+              <a:t>CSS</a:t>
+            </a:r>
+            <a:r>
+              <a:rPr lang="zh-CN" altLang="en-US"/>
+              <a:t>。</a:t>
+            </a:r>
+            <a:endParaRPr lang="zh-CN" altLang="en-US"/>
+          </a:p>
+        </p:txBody>
+      </p:sp>
+    </p:spTree>
+  </p:cSld>
+  <p:clrMapOvr>
+    <a:masterClrMapping/>
+  </p:clrMapOvr>
+</p:sld>
+</file>
+
+<file path=ppt/slides/slide8.xml><?xml version="1.0" encoding="utf-8"?>
 <p:sld xmlns:a="http://schemas.openxmlformats.org/drawingml/2006/main" xmlns:r="http://schemas.openxmlformats.org/officeDocument/2006/relationships" xmlns:p="http://schemas.openxmlformats.org/presentationml/2006/main">
   <p:cSld>
     <p:spTree>
